--- a/2023-24/Etap I/Prezentacje/zadanie3.pptx
+++ b/2023-24/Etap I/Prezentacje/zadanie3.pptx
@@ -219,7 +219,7 @@
           <a:p>
             <a:fld id="{65976953-FDD5-4D9F-93C7-3E67B425379B}" type="datetimeFigureOut">
               <a:rPr lang="pl-PL" smtClean="0"/>
-              <a:t>03.07.2024</a:t>
+              <a:t>07.07.2024</a:t>
             </a:fld>
             <a:endParaRPr lang="pl-PL"/>
           </a:p>
@@ -885,7 +885,7 @@
           <a:p>
             <a:fld id="{0C1A7356-0347-4482-95FA-022A0694F35A}" type="datetimeFigureOut">
               <a:rPr lang="pl-PL" smtClean="0"/>
-              <a:t>03.07.2024</a:t>
+              <a:t>07.07.2024</a:t>
             </a:fld>
             <a:endParaRPr lang="pl-PL"/>
           </a:p>
@@ -1083,7 +1083,7 @@
           <a:p>
             <a:fld id="{0C1A7356-0347-4482-95FA-022A0694F35A}" type="datetimeFigureOut">
               <a:rPr lang="pl-PL" smtClean="0"/>
-              <a:t>03.07.2024</a:t>
+              <a:t>07.07.2024</a:t>
             </a:fld>
             <a:endParaRPr lang="pl-PL"/>
           </a:p>
@@ -1291,7 +1291,7 @@
           <a:p>
             <a:fld id="{0C1A7356-0347-4482-95FA-022A0694F35A}" type="datetimeFigureOut">
               <a:rPr lang="pl-PL" smtClean="0"/>
-              <a:t>03.07.2024</a:t>
+              <a:t>07.07.2024</a:t>
             </a:fld>
             <a:endParaRPr lang="pl-PL"/>
           </a:p>
@@ -1489,7 +1489,7 @@
           <a:p>
             <a:fld id="{0C1A7356-0347-4482-95FA-022A0694F35A}" type="datetimeFigureOut">
               <a:rPr lang="pl-PL" smtClean="0"/>
-              <a:t>03.07.2024</a:t>
+              <a:t>07.07.2024</a:t>
             </a:fld>
             <a:endParaRPr lang="pl-PL"/>
           </a:p>
@@ -1764,7 +1764,7 @@
           <a:p>
             <a:fld id="{0C1A7356-0347-4482-95FA-022A0694F35A}" type="datetimeFigureOut">
               <a:rPr lang="pl-PL" smtClean="0"/>
-              <a:t>03.07.2024</a:t>
+              <a:t>07.07.2024</a:t>
             </a:fld>
             <a:endParaRPr lang="pl-PL"/>
           </a:p>
@@ -2029,7 +2029,7 @@
           <a:p>
             <a:fld id="{0C1A7356-0347-4482-95FA-022A0694F35A}" type="datetimeFigureOut">
               <a:rPr lang="pl-PL" smtClean="0"/>
-              <a:t>03.07.2024</a:t>
+              <a:t>07.07.2024</a:t>
             </a:fld>
             <a:endParaRPr lang="pl-PL"/>
           </a:p>
@@ -2441,7 +2441,7 @@
           <a:p>
             <a:fld id="{0C1A7356-0347-4482-95FA-022A0694F35A}" type="datetimeFigureOut">
               <a:rPr lang="pl-PL" smtClean="0"/>
-              <a:t>03.07.2024</a:t>
+              <a:t>07.07.2024</a:t>
             </a:fld>
             <a:endParaRPr lang="pl-PL"/>
           </a:p>
@@ -2582,7 +2582,7 @@
           <a:p>
             <a:fld id="{0C1A7356-0347-4482-95FA-022A0694F35A}" type="datetimeFigureOut">
               <a:rPr lang="pl-PL" smtClean="0"/>
-              <a:t>03.07.2024</a:t>
+              <a:t>07.07.2024</a:t>
             </a:fld>
             <a:endParaRPr lang="pl-PL"/>
           </a:p>
@@ -2695,7 +2695,7 @@
           <a:p>
             <a:fld id="{0C1A7356-0347-4482-95FA-022A0694F35A}" type="datetimeFigureOut">
               <a:rPr lang="pl-PL" smtClean="0"/>
-              <a:t>03.07.2024</a:t>
+              <a:t>07.07.2024</a:t>
             </a:fld>
             <a:endParaRPr lang="pl-PL"/>
           </a:p>
@@ -3006,7 +3006,7 @@
           <a:p>
             <a:fld id="{0C1A7356-0347-4482-95FA-022A0694F35A}" type="datetimeFigureOut">
               <a:rPr lang="pl-PL" smtClean="0"/>
-              <a:t>03.07.2024</a:t>
+              <a:t>07.07.2024</a:t>
             </a:fld>
             <a:endParaRPr lang="pl-PL"/>
           </a:p>
@@ -3294,7 +3294,7 @@
           <a:p>
             <a:fld id="{0C1A7356-0347-4482-95FA-022A0694F35A}" type="datetimeFigureOut">
               <a:rPr lang="pl-PL" smtClean="0"/>
-              <a:t>03.07.2024</a:t>
+              <a:t>07.07.2024</a:t>
             </a:fld>
             <a:endParaRPr lang="pl-PL"/>
           </a:p>
@@ -3538,7 +3538,7 @@
           <a:p>
             <a:fld id="{0C1A7356-0347-4482-95FA-022A0694F35A}" type="datetimeFigureOut">
               <a:rPr lang="pl-PL" smtClean="0"/>
-              <a:t>03.07.2024</a:t>
+              <a:t>07.07.2024</a:t>
             </a:fld>
             <a:endParaRPr lang="pl-PL"/>
           </a:p>
@@ -3991,19 +3991,7 @@
                 </a:solidFill>
                 <a:latin typeface="Oswald" pitchFamily="2" charset="-18"/>
               </a:rPr>
-              <a:t>Dane jest słowo składające się z małych liter alfabetu angielskiego. Słowo to tniemy na co najmniej dwa kawałki, tak aby każdy kawałek zawierał co najmniej jedną samogłoskę. Proszę napisać program, który zwraca liczbę sposobów pocięcia słowa na kawałki. Można założyć, że w słowie są co najmniej </a:t>
-            </a:r>
-          </a:p>
-          <a:p>
-            <a:pPr algn="ctr"/>
-            <a:r>
-              <a:rPr lang="pl-PL" sz="2500" dirty="0">
-                <a:solidFill>
-                  <a:schemeClr val="bg1"/>
-                </a:solidFill>
-                <a:latin typeface="Oswald" pitchFamily="2" charset="-18"/>
-              </a:rPr>
-              <a:t>2 samogłoski.</a:t>
+              <a:t>Dane jest słowo składające się z małych liter alfabetu angielskiego. Słowo to tniemy na co najmniej dwa kawałki, tak aby każdy kawałek zawierał co najmniej jedną samogłoskę. Proszę napisać program, który zwraca liczbę sposobów pocięcia słowa na kawałki. Można założyć, że w słowie są co najmniej 2 samogłoski.</a:t>
             </a:r>
           </a:p>
         </p:txBody>
@@ -4685,13 +4673,13 @@
   <p:clrMapOvr>
     <a:masterClrMapping/>
   </p:clrMapOvr>
-  <mc:AlternateContent xmlns:mc="http://schemas.openxmlformats.org/markup-compatibility/2006">
-    <mc:Choice xmlns:p159="http://schemas.microsoft.com/office/powerpoint/2015/09/main" Requires="p159">
+  <mc:AlternateContent xmlns:mc="http://schemas.openxmlformats.org/markup-compatibility/2006" xmlns:p159="http://schemas.microsoft.com/office/powerpoint/2015/09/main">
+    <mc:Choice Requires="p159">
       <p:transition xmlns:p14="http://schemas.microsoft.com/office/powerpoint/2010/main" spd="slow" p14:dur="2000">
         <p159:morph option="byObject"/>
       </p:transition>
     </mc:Choice>
-    <mc:Fallback>
+    <mc:Fallback xmlns="">
       <p:transition spd="slow">
         <p:fade/>
       </p:transition>
@@ -5432,13 +5420,13 @@
   <p:clrMapOvr>
     <a:masterClrMapping/>
   </p:clrMapOvr>
-  <mc:AlternateContent xmlns:mc="http://schemas.openxmlformats.org/markup-compatibility/2006">
-    <mc:Choice xmlns:p159="http://schemas.microsoft.com/office/powerpoint/2015/09/main" Requires="p159">
+  <mc:AlternateContent xmlns:mc="http://schemas.openxmlformats.org/markup-compatibility/2006" xmlns:p159="http://schemas.microsoft.com/office/powerpoint/2015/09/main">
+    <mc:Choice Requires="p159">
       <p:transition xmlns:p14="http://schemas.microsoft.com/office/powerpoint/2010/main" spd="slow" p14:dur="2000">
         <p159:morph option="byObject"/>
       </p:transition>
     </mc:Choice>
-    <mc:Fallback>
+    <mc:Fallback xmlns="">
       <p:transition spd="slow">
         <p:fade/>
       </p:transition>
@@ -6259,13 +6247,13 @@
   <p:clrMapOvr>
     <a:masterClrMapping/>
   </p:clrMapOvr>
-  <mc:AlternateContent xmlns:mc="http://schemas.openxmlformats.org/markup-compatibility/2006">
-    <mc:Choice xmlns:p159="http://schemas.microsoft.com/office/powerpoint/2015/09/main" Requires="p159">
+  <mc:AlternateContent xmlns:mc="http://schemas.openxmlformats.org/markup-compatibility/2006" xmlns:p159="http://schemas.microsoft.com/office/powerpoint/2015/09/main">
+    <mc:Choice Requires="p159">
       <p:transition xmlns:p14="http://schemas.microsoft.com/office/powerpoint/2010/main" spd="slow" p14:dur="2000">
         <p159:morph option="byObject"/>
       </p:transition>
     </mc:Choice>
-    <mc:Fallback>
+    <mc:Fallback xmlns="">
       <p:transition spd="slow">
         <p:fade/>
       </p:transition>
@@ -7596,13 +7584,13 @@
   <p:clrMapOvr>
     <a:masterClrMapping/>
   </p:clrMapOvr>
-  <mc:AlternateContent xmlns:mc="http://schemas.openxmlformats.org/markup-compatibility/2006">
-    <mc:Choice xmlns:p159="http://schemas.microsoft.com/office/powerpoint/2015/09/main" Requires="p159">
+  <mc:AlternateContent xmlns:mc="http://schemas.openxmlformats.org/markup-compatibility/2006" xmlns:p159="http://schemas.microsoft.com/office/powerpoint/2015/09/main">
+    <mc:Choice Requires="p159">
       <p:transition xmlns:p14="http://schemas.microsoft.com/office/powerpoint/2010/main" spd="slow" p14:dur="2000">
         <p159:morph option="byObject"/>
       </p:transition>
     </mc:Choice>
-    <mc:Fallback>
+    <mc:Fallback xmlns="">
       <p:transition spd="slow">
         <p:fade/>
       </p:transition>
@@ -9191,13 +9179,13 @@
   <p:clrMapOvr>
     <a:masterClrMapping/>
   </p:clrMapOvr>
-  <mc:AlternateContent xmlns:mc="http://schemas.openxmlformats.org/markup-compatibility/2006">
-    <mc:Choice xmlns:p159="http://schemas.microsoft.com/office/powerpoint/2015/09/main" Requires="p159">
+  <mc:AlternateContent xmlns:mc="http://schemas.openxmlformats.org/markup-compatibility/2006" xmlns:p159="http://schemas.microsoft.com/office/powerpoint/2015/09/main">
+    <mc:Choice Requires="p159">
       <p:transition xmlns:p14="http://schemas.microsoft.com/office/powerpoint/2010/main" spd="slow" p14:dur="2000">
         <p159:morph option="byObject"/>
       </p:transition>
     </mc:Choice>
-    <mc:Fallback>
+    <mc:Fallback xmlns="">
       <p:transition spd="slow">
         <p:fade/>
       </p:transition>
@@ -10790,8 +10778,8 @@
         </p:nvSpPr>
         <p:spPr>
           <a:xfrm>
-            <a:off x="1161847" y="1608560"/>
-            <a:ext cx="1165860" cy="461665"/>
+            <a:off x="822962" y="1608560"/>
+            <a:ext cx="1504745" cy="461665"/>
           </a:xfrm>
           <a:prstGeom prst="rect">
             <a:avLst/>
@@ -10842,8 +10830,8 @@
         </p:nvSpPr>
         <p:spPr>
           <a:xfrm>
-            <a:off x="3376847" y="1587666"/>
-            <a:ext cx="1165860" cy="461665"/>
+            <a:off x="3305081" y="1587666"/>
+            <a:ext cx="1237626" cy="461665"/>
           </a:xfrm>
           <a:prstGeom prst="rect">
             <a:avLst/>
@@ -10894,7 +10882,7 @@
         </p:nvSpPr>
         <p:spPr>
           <a:xfrm>
-            <a:off x="5657073" y="1596429"/>
+            <a:off x="5612584" y="1587665"/>
             <a:ext cx="1165860" cy="461665"/>
           </a:xfrm>
           <a:prstGeom prst="rect">
@@ -10994,13 +10982,13 @@
   <p:clrMapOvr>
     <a:masterClrMapping/>
   </p:clrMapOvr>
-  <mc:AlternateContent xmlns:mc="http://schemas.openxmlformats.org/markup-compatibility/2006">
-    <mc:Choice xmlns:p159="http://schemas.microsoft.com/office/powerpoint/2015/09/main" Requires="p159">
+  <mc:AlternateContent xmlns:mc="http://schemas.openxmlformats.org/markup-compatibility/2006" xmlns:p159="http://schemas.microsoft.com/office/powerpoint/2015/09/main">
+    <mc:Choice Requires="p159">
       <p:transition xmlns:p14="http://schemas.microsoft.com/office/powerpoint/2010/main" spd="slow" p14:dur="2000">
         <p159:morph option="byObject"/>
       </p:transition>
     </mc:Choice>
-    <mc:Fallback>
+    <mc:Fallback xmlns="">
       <p:transition spd="slow">
         <p:fade/>
       </p:transition>
@@ -12785,13 +12773,13 @@
   <p:clrMapOvr>
     <a:masterClrMapping/>
   </p:clrMapOvr>
-  <mc:AlternateContent xmlns:mc="http://schemas.openxmlformats.org/markup-compatibility/2006">
-    <mc:Choice xmlns:p159="http://schemas.microsoft.com/office/powerpoint/2015/09/main" Requires="p159">
+  <mc:AlternateContent xmlns:mc="http://schemas.openxmlformats.org/markup-compatibility/2006" xmlns:p159="http://schemas.microsoft.com/office/powerpoint/2015/09/main">
+    <mc:Choice Requires="p159">
       <p:transition xmlns:p14="http://schemas.microsoft.com/office/powerpoint/2010/main" spd="slow" p14:dur="2000">
         <p159:morph option="byObject"/>
       </p:transition>
     </mc:Choice>
-    <mc:Fallback>
+    <mc:Fallback xmlns="">
       <p:transition spd="slow">
         <p:fade/>
       </p:transition>
@@ -14619,13 +14607,13 @@
   <p:clrMapOvr>
     <a:masterClrMapping/>
   </p:clrMapOvr>
-  <mc:AlternateContent xmlns:mc="http://schemas.openxmlformats.org/markup-compatibility/2006">
-    <mc:Choice xmlns:p159="http://schemas.microsoft.com/office/powerpoint/2015/09/main" Requires="p159">
+  <mc:AlternateContent xmlns:mc="http://schemas.openxmlformats.org/markup-compatibility/2006" xmlns:p159="http://schemas.microsoft.com/office/powerpoint/2015/09/main">
+    <mc:Choice Requires="p159">
       <p:transition xmlns:p14="http://schemas.microsoft.com/office/powerpoint/2010/main" spd="slow" p14:dur="2000">
         <p159:morph option="byObject"/>
       </p:transition>
     </mc:Choice>
-    <mc:Fallback>
+    <mc:Fallback xmlns="">
       <p:transition spd="slow">
         <p:fade/>
       </p:transition>
@@ -14691,13 +14679,13 @@
   <p:clrMapOvr>
     <a:masterClrMapping/>
   </p:clrMapOvr>
-  <mc:AlternateContent xmlns:mc="http://schemas.openxmlformats.org/markup-compatibility/2006">
-    <mc:Choice xmlns:p159="http://schemas.microsoft.com/office/powerpoint/2015/09/main" Requires="p159">
+  <mc:AlternateContent xmlns:mc="http://schemas.openxmlformats.org/markup-compatibility/2006" xmlns:p159="http://schemas.microsoft.com/office/powerpoint/2015/09/main">
+    <mc:Choice Requires="p159">
       <p:transition xmlns:p14="http://schemas.microsoft.com/office/powerpoint/2010/main" spd="slow" p14:dur="2000">
         <p159:morph option="byObject"/>
       </p:transition>
     </mc:Choice>
-    <mc:Fallback>
+    <mc:Fallback xmlns="">
       <p:transition spd="slow">
         <p:fade/>
       </p:transition>
@@ -14812,13 +14800,13 @@
   <p:clrMapOvr>
     <a:masterClrMapping/>
   </p:clrMapOvr>
-  <mc:AlternateContent xmlns:mc="http://schemas.openxmlformats.org/markup-compatibility/2006">
-    <mc:Choice xmlns:p159="http://schemas.microsoft.com/office/powerpoint/2015/09/main" Requires="p159">
+  <mc:AlternateContent xmlns:mc="http://schemas.openxmlformats.org/markup-compatibility/2006" xmlns:p159="http://schemas.microsoft.com/office/powerpoint/2015/09/main">
+    <mc:Choice Requires="p159">
       <p:transition xmlns:p14="http://schemas.microsoft.com/office/powerpoint/2010/main" spd="slow" p14:dur="2000">
         <p159:morph option="byObject"/>
       </p:transition>
     </mc:Choice>
-    <mc:Fallback>
+    <mc:Fallback xmlns="">
       <p:transition spd="slow">
         <p:fade/>
       </p:transition>
@@ -14846,59 +14834,6 @@
       </p:grpSpPr>
       <p:sp>
         <p:nvSpPr>
-          <p:cNvPr id="6" name="pole tekstowe 5">
-            <a:extLst>
-              <a:ext uri="{FF2B5EF4-FFF2-40B4-BE49-F238E27FC236}">
-                <a16:creationId xmlns:a16="http://schemas.microsoft.com/office/drawing/2014/main" id="{71ADCE00-1982-7755-D244-D3440FBF2631}"/>
-              </a:ext>
-            </a:extLst>
-          </p:cNvPr>
-          <p:cNvSpPr txBox="1"/>
-          <p:nvPr/>
-        </p:nvSpPr>
-        <p:spPr>
-          <a:xfrm>
-            <a:off x="0" y="-1"/>
-            <a:ext cx="12192000" cy="1631216"/>
-          </a:xfrm>
-          <a:prstGeom prst="rect">
-            <a:avLst/>
-          </a:prstGeom>
-          <a:noFill/>
-        </p:spPr>
-        <p:txBody>
-          <a:bodyPr wrap="square" rtlCol="0">
-            <a:spAutoFit/>
-          </a:bodyPr>
-          <a:lstStyle/>
-          <a:p>
-            <a:pPr algn="ctr"/>
-            <a:r>
-              <a:rPr lang="pl-PL" sz="2500" dirty="0">
-                <a:solidFill>
-                  <a:schemeClr val="bg1"/>
-                </a:solidFill>
-                <a:latin typeface="Oswald" pitchFamily="2" charset="-18"/>
-              </a:rPr>
-              <a:t>Dane jest słowo składające się z małych liter alfabetu angielskiego. Słowo to tniemy na co najmniej dwa kawałki, tak aby każdy kawałek zawierał co najmniej jedną samogłoskę. Proszę napisać program, który zwraca liczbę sposobów pocięcia słowa na kawałki. Można założyć, że w słowie są co najmniej </a:t>
-            </a:r>
-          </a:p>
-          <a:p>
-            <a:pPr algn="ctr"/>
-            <a:r>
-              <a:rPr lang="pl-PL" sz="2500" dirty="0">
-                <a:solidFill>
-                  <a:schemeClr val="bg1"/>
-                </a:solidFill>
-                <a:latin typeface="Oswald" pitchFamily="2" charset="-18"/>
-              </a:rPr>
-              <a:t>2 samogłoski.</a:t>
-            </a:r>
-          </a:p>
-        </p:txBody>
-      </p:sp>
-      <p:sp>
-        <p:nvSpPr>
           <p:cNvPr id="2" name="Prostokąt 1">
             <a:extLst>
               <a:ext uri="{FF2B5EF4-FFF2-40B4-BE49-F238E27FC236}">
@@ -15368,6 +15303,47 @@
                 <a:latin typeface="Oswald" pitchFamily="2" charset="-18"/>
               </a:rPr>
               <a:t>A</a:t>
+            </a:r>
+          </a:p>
+        </p:txBody>
+      </p:sp>
+      <p:sp>
+        <p:nvSpPr>
+          <p:cNvPr id="15" name="pole tekstowe 14">
+            <a:extLst>
+              <a:ext uri="{FF2B5EF4-FFF2-40B4-BE49-F238E27FC236}">
+                <a16:creationId xmlns:a16="http://schemas.microsoft.com/office/drawing/2014/main" id="{40B9DC78-C7CC-5E2C-017D-B82C65B540D2}"/>
+              </a:ext>
+            </a:extLst>
+          </p:cNvPr>
+          <p:cNvSpPr txBox="1"/>
+          <p:nvPr/>
+        </p:nvSpPr>
+        <p:spPr>
+          <a:xfrm>
+            <a:off x="0" y="-1"/>
+            <a:ext cx="12192000" cy="1631216"/>
+          </a:xfrm>
+          <a:prstGeom prst="rect">
+            <a:avLst/>
+          </a:prstGeom>
+          <a:noFill/>
+        </p:spPr>
+        <p:txBody>
+          <a:bodyPr wrap="square" rtlCol="0">
+            <a:spAutoFit/>
+          </a:bodyPr>
+          <a:lstStyle/>
+          <a:p>
+            <a:pPr algn="ctr"/>
+            <a:r>
+              <a:rPr lang="pl-PL" sz="2500" dirty="0">
+                <a:solidFill>
+                  <a:schemeClr val="bg1"/>
+                </a:solidFill>
+                <a:latin typeface="Oswald" pitchFamily="2" charset="-18"/>
+              </a:rPr>
+              <a:t>Dane jest słowo składające się z małych liter alfabetu angielskiego. Słowo to tniemy na co najmniej dwa kawałki, tak aby każdy kawałek zawierał co najmniej jedną samogłoskę. Proszę napisać program, który zwraca liczbę sposobów pocięcia słowa na kawałki. Można założyć, że w słowie są co najmniej 2 samogłoski.</a:t>
             </a:r>
           </a:p>
         </p:txBody>
@@ -15382,13 +15358,13 @@
   <p:clrMapOvr>
     <a:masterClrMapping/>
   </p:clrMapOvr>
-  <mc:AlternateContent xmlns:mc="http://schemas.openxmlformats.org/markup-compatibility/2006">
-    <mc:Choice xmlns:p159="http://schemas.microsoft.com/office/powerpoint/2015/09/main" Requires="p159">
+  <mc:AlternateContent xmlns:mc="http://schemas.openxmlformats.org/markup-compatibility/2006" xmlns:p159="http://schemas.microsoft.com/office/powerpoint/2015/09/main">
+    <mc:Choice Requires="p159">
       <p:transition xmlns:p14="http://schemas.microsoft.com/office/powerpoint/2010/main" spd="slow" p14:dur="2000">
         <p159:morph option="byObject"/>
       </p:transition>
     </mc:Choice>
-    <mc:Fallback>
+    <mc:Fallback xmlns="">
       <p:transition spd="slow">
         <p:fade/>
       </p:transition>
@@ -15503,13 +15479,13 @@
   <p:clrMapOvr>
     <a:masterClrMapping/>
   </p:clrMapOvr>
-  <mc:AlternateContent xmlns:mc="http://schemas.openxmlformats.org/markup-compatibility/2006">
-    <mc:Choice xmlns:p159="http://schemas.microsoft.com/office/powerpoint/2015/09/main" Requires="p159">
+  <mc:AlternateContent xmlns:mc="http://schemas.openxmlformats.org/markup-compatibility/2006" xmlns:p159="http://schemas.microsoft.com/office/powerpoint/2015/09/main">
+    <mc:Choice Requires="p159">
       <p:transition xmlns:p14="http://schemas.microsoft.com/office/powerpoint/2010/main" spd="slow" p14:dur="2000">
         <p159:morph option="byObject"/>
       </p:transition>
     </mc:Choice>
-    <mc:Fallback>
+    <mc:Fallback xmlns="">
       <p:transition spd="slow">
         <p:fade/>
       </p:transition>
@@ -15696,13 +15672,13 @@
   <p:clrMapOvr>
     <a:masterClrMapping/>
   </p:clrMapOvr>
-  <mc:AlternateContent xmlns:mc="http://schemas.openxmlformats.org/markup-compatibility/2006">
-    <mc:Choice xmlns:p159="http://schemas.microsoft.com/office/powerpoint/2015/09/main" Requires="p159">
+  <mc:AlternateContent xmlns:mc="http://schemas.openxmlformats.org/markup-compatibility/2006" xmlns:p159="http://schemas.microsoft.com/office/powerpoint/2015/09/main">
+    <mc:Choice Requires="p159">
       <p:transition xmlns:p14="http://schemas.microsoft.com/office/powerpoint/2010/main" spd="slow" p14:dur="2000">
         <p159:morph option="byObject"/>
       </p:transition>
     </mc:Choice>
-    <mc:Fallback>
+    <mc:Fallback xmlns="">
       <p:transition spd="slow">
         <p:fade/>
       </p:transition>
@@ -15889,13 +15865,13 @@
   <p:clrMapOvr>
     <a:masterClrMapping/>
   </p:clrMapOvr>
-  <mc:AlternateContent xmlns:mc="http://schemas.openxmlformats.org/markup-compatibility/2006">
-    <mc:Choice xmlns:p159="http://schemas.microsoft.com/office/powerpoint/2015/09/main" Requires="p159">
+  <mc:AlternateContent xmlns:mc="http://schemas.openxmlformats.org/markup-compatibility/2006" xmlns:p159="http://schemas.microsoft.com/office/powerpoint/2015/09/main">
+    <mc:Choice Requires="p159">
       <p:transition xmlns:p14="http://schemas.microsoft.com/office/powerpoint/2010/main" spd="slow" p14:dur="2000">
         <p159:morph option="byObject"/>
       </p:transition>
     </mc:Choice>
-    <mc:Fallback>
+    <mc:Fallback xmlns="">
       <p:transition spd="slow">
         <p:fade/>
       </p:transition>
@@ -15961,13 +15937,13 @@
   <p:clrMapOvr>
     <a:masterClrMapping/>
   </p:clrMapOvr>
-  <mc:AlternateContent xmlns:mc="http://schemas.openxmlformats.org/markup-compatibility/2006">
-    <mc:Choice xmlns:p159="http://schemas.microsoft.com/office/powerpoint/2015/09/main" Requires="p159">
+  <mc:AlternateContent xmlns:mc="http://schemas.openxmlformats.org/markup-compatibility/2006" xmlns:p159="http://schemas.microsoft.com/office/powerpoint/2015/09/main">
+    <mc:Choice Requires="p159">
       <p:transition xmlns:p14="http://schemas.microsoft.com/office/powerpoint/2010/main" spd="slow" p14:dur="2000">
         <p159:morph option="byObject"/>
       </p:transition>
     </mc:Choice>
-    <mc:Fallback>
+    <mc:Fallback xmlns="">
       <p:transition spd="slow">
         <p:fade/>
       </p:transition>
@@ -16468,13 +16444,13 @@
   <p:clrMapOvr>
     <a:masterClrMapping/>
   </p:clrMapOvr>
-  <mc:AlternateContent xmlns:mc="http://schemas.openxmlformats.org/markup-compatibility/2006">
-    <mc:Choice xmlns:p159="http://schemas.microsoft.com/office/powerpoint/2015/09/main" Requires="p159">
+  <mc:AlternateContent xmlns:mc="http://schemas.openxmlformats.org/markup-compatibility/2006" xmlns:p159="http://schemas.microsoft.com/office/powerpoint/2015/09/main">
+    <mc:Choice Requires="p159">
       <p:transition xmlns:p14="http://schemas.microsoft.com/office/powerpoint/2010/main" spd="slow" p14:dur="2000">
         <p159:morph option="byObject"/>
       </p:transition>
     </mc:Choice>
-    <mc:Fallback>
+    <mc:Fallback xmlns="">
       <p:transition spd="slow">
         <p:fade/>
       </p:transition>
@@ -17051,13 +17027,13 @@
   <p:clrMapOvr>
     <a:masterClrMapping/>
   </p:clrMapOvr>
-  <mc:AlternateContent xmlns:mc="http://schemas.openxmlformats.org/markup-compatibility/2006">
-    <mc:Choice xmlns:p159="http://schemas.microsoft.com/office/powerpoint/2015/09/main" Requires="p159">
+  <mc:AlternateContent xmlns:mc="http://schemas.openxmlformats.org/markup-compatibility/2006" xmlns:p159="http://schemas.microsoft.com/office/powerpoint/2015/09/main">
+    <mc:Choice Requires="p159">
       <p:transition xmlns:p14="http://schemas.microsoft.com/office/powerpoint/2010/main" spd="slow" p14:dur="2000">
         <p159:morph option="byObject"/>
       </p:transition>
     </mc:Choice>
-    <mc:Fallback>
+    <mc:Fallback xmlns="">
       <p:transition spd="slow">
         <p:fade/>
       </p:transition>
@@ -17674,13 +17650,13 @@
   <p:clrMapOvr>
     <a:masterClrMapping/>
   </p:clrMapOvr>
-  <mc:AlternateContent xmlns:mc="http://schemas.openxmlformats.org/markup-compatibility/2006">
-    <mc:Choice xmlns:p159="http://schemas.microsoft.com/office/powerpoint/2015/09/main" Requires="p159">
+  <mc:AlternateContent xmlns:mc="http://schemas.openxmlformats.org/markup-compatibility/2006" xmlns:p159="http://schemas.microsoft.com/office/powerpoint/2015/09/main">
+    <mc:Choice Requires="p159">
       <p:transition xmlns:p14="http://schemas.microsoft.com/office/powerpoint/2010/main" spd="slow" p14:dur="2000">
         <p159:morph option="byObject"/>
       </p:transition>
     </mc:Choice>
-    <mc:Fallback>
+    <mc:Fallback xmlns="">
       <p:transition spd="slow">
         <p:fade/>
       </p:transition>
@@ -18337,13 +18313,13 @@
   <p:clrMapOvr>
     <a:masterClrMapping/>
   </p:clrMapOvr>
-  <mc:AlternateContent xmlns:mc="http://schemas.openxmlformats.org/markup-compatibility/2006">
-    <mc:Choice xmlns:p159="http://schemas.microsoft.com/office/powerpoint/2015/09/main" Requires="p159">
+  <mc:AlternateContent xmlns:mc="http://schemas.openxmlformats.org/markup-compatibility/2006" xmlns:p159="http://schemas.microsoft.com/office/powerpoint/2015/09/main">
+    <mc:Choice Requires="p159">
       <p:transition xmlns:p14="http://schemas.microsoft.com/office/powerpoint/2010/main" spd="slow" p14:dur="2000">
         <p159:morph option="byObject"/>
       </p:transition>
     </mc:Choice>
-    <mc:Fallback>
+    <mc:Fallback xmlns="">
       <p:transition spd="slow">
         <p:fade/>
       </p:transition>
@@ -19040,13 +19016,13 @@
   <p:clrMapOvr>
     <a:masterClrMapping/>
   </p:clrMapOvr>
-  <mc:AlternateContent xmlns:mc="http://schemas.openxmlformats.org/markup-compatibility/2006">
-    <mc:Choice xmlns:p159="http://schemas.microsoft.com/office/powerpoint/2015/09/main" Requires="p159">
+  <mc:AlternateContent xmlns:mc="http://schemas.openxmlformats.org/markup-compatibility/2006" xmlns:p159="http://schemas.microsoft.com/office/powerpoint/2015/09/main">
+    <mc:Choice Requires="p159">
       <p:transition xmlns:p14="http://schemas.microsoft.com/office/powerpoint/2010/main" spd="slow" p14:dur="2000">
         <p159:morph option="byObject"/>
       </p:transition>
     </mc:Choice>
-    <mc:Fallback>
+    <mc:Fallback xmlns="">
       <p:transition spd="slow">
         <p:fade/>
       </p:transition>
@@ -19747,13 +19723,13 @@
   <p:clrMapOvr>
     <a:masterClrMapping/>
   </p:clrMapOvr>
-  <mc:AlternateContent xmlns:mc="http://schemas.openxmlformats.org/markup-compatibility/2006">
-    <mc:Choice xmlns:p159="http://schemas.microsoft.com/office/powerpoint/2015/09/main" Requires="p159">
+  <mc:AlternateContent xmlns:mc="http://schemas.openxmlformats.org/markup-compatibility/2006" xmlns:p159="http://schemas.microsoft.com/office/powerpoint/2015/09/main">
+    <mc:Choice Requires="p159">
       <p:transition xmlns:p14="http://schemas.microsoft.com/office/powerpoint/2010/main" spd="slow" p14:dur="2000">
         <p159:morph option="byObject"/>
       </p:transition>
     </mc:Choice>
-    <mc:Fallback>
+    <mc:Fallback xmlns="">
       <p:transition spd="slow">
         <p:fade/>
       </p:transition>
@@ -20450,13 +20426,13 @@
   <p:clrMapOvr>
     <a:masterClrMapping/>
   </p:clrMapOvr>
-  <mc:AlternateContent xmlns:mc="http://schemas.openxmlformats.org/markup-compatibility/2006">
-    <mc:Choice xmlns:p159="http://schemas.microsoft.com/office/powerpoint/2015/09/main" Requires="p159">
+  <mc:AlternateContent xmlns:mc="http://schemas.openxmlformats.org/markup-compatibility/2006" xmlns:p159="http://schemas.microsoft.com/office/powerpoint/2015/09/main">
+    <mc:Choice Requires="p159">
       <p:transition xmlns:p14="http://schemas.microsoft.com/office/powerpoint/2010/main" spd="slow" p14:dur="2000">
         <p159:morph option="byObject"/>
       </p:transition>
     </mc:Choice>
-    <mc:Fallback>
+    <mc:Fallback xmlns="">
       <p:transition spd="slow">
         <p:fade/>
       </p:transition>
